--- a/lab_submissions/project01/rtalbot/Project01-Presentation.pptx
+++ b/lab_submissions/project01/rtalbot/Project01-Presentation.pptx
@@ -6,10 +6,12 @@
   </p:sldMasterIdLst>
   <p:sldIdLst>
     <p:sldId id="256" r:id="rId2"/>
-    <p:sldId id="257" r:id="rId3"/>
-    <p:sldId id="258" r:id="rId4"/>
-    <p:sldId id="260" r:id="rId5"/>
-    <p:sldId id="259" r:id="rId6"/>
+    <p:sldId id="261" r:id="rId3"/>
+    <p:sldId id="262" r:id="rId4"/>
+    <p:sldId id="258" r:id="rId5"/>
+    <p:sldId id="260" r:id="rId6"/>
+    <p:sldId id="259" r:id="rId7"/>
+    <p:sldId id="263" r:id="rId8"/>
   </p:sldIdLst>
   <p:sldSz cx="9144000" cy="6858000" type="screen4x3"/>
   <p:notesSz cx="6858000" cy="9144000"/>
@@ -292,7 +294,7 @@
           <a:p>
             <a:fld id="{8E218B59-2BF9-7C4E-809E-EDEE006DE5C3}" type="datetimeFigureOut">
               <a:rPr lang="en-US" smtClean="0"/>
-              <a:t>4/23/14</a:t>
+              <a:t>4/24/14</a:t>
             </a:fld>
             <a:endParaRPr lang="en-US"/>
           </a:p>
@@ -462,7 +464,7 @@
           <a:p>
             <a:fld id="{8E218B59-2BF9-7C4E-809E-EDEE006DE5C3}" type="datetimeFigureOut">
               <a:rPr lang="en-US" smtClean="0"/>
-              <a:t>4/23/14</a:t>
+              <a:t>4/24/14</a:t>
             </a:fld>
             <a:endParaRPr lang="en-US"/>
           </a:p>
@@ -642,7 +644,7 @@
           <a:p>
             <a:fld id="{8E218B59-2BF9-7C4E-809E-EDEE006DE5C3}" type="datetimeFigureOut">
               <a:rPr lang="en-US" smtClean="0"/>
-              <a:t>4/23/14</a:t>
+              <a:t>4/24/14</a:t>
             </a:fld>
             <a:endParaRPr lang="en-US"/>
           </a:p>
@@ -812,7 +814,7 @@
           <a:p>
             <a:fld id="{8E218B59-2BF9-7C4E-809E-EDEE006DE5C3}" type="datetimeFigureOut">
               <a:rPr lang="en-US" smtClean="0"/>
-              <a:t>4/23/14</a:t>
+              <a:t>4/24/14</a:t>
             </a:fld>
             <a:endParaRPr lang="en-US"/>
           </a:p>
@@ -1058,7 +1060,7 @@
           <a:p>
             <a:fld id="{8E218B59-2BF9-7C4E-809E-EDEE006DE5C3}" type="datetimeFigureOut">
               <a:rPr lang="en-US" smtClean="0"/>
-              <a:t>4/23/14</a:t>
+              <a:t>4/24/14</a:t>
             </a:fld>
             <a:endParaRPr lang="en-US"/>
           </a:p>
@@ -1346,7 +1348,7 @@
           <a:p>
             <a:fld id="{8E218B59-2BF9-7C4E-809E-EDEE006DE5C3}" type="datetimeFigureOut">
               <a:rPr lang="en-US" smtClean="0"/>
-              <a:t>4/23/14</a:t>
+              <a:t>4/24/14</a:t>
             </a:fld>
             <a:endParaRPr lang="en-US"/>
           </a:p>
@@ -1768,7 +1770,7 @@
           <a:p>
             <a:fld id="{8E218B59-2BF9-7C4E-809E-EDEE006DE5C3}" type="datetimeFigureOut">
               <a:rPr lang="en-US" smtClean="0"/>
-              <a:t>4/23/14</a:t>
+              <a:t>4/24/14</a:t>
             </a:fld>
             <a:endParaRPr lang="en-US"/>
           </a:p>
@@ -1886,7 +1888,7 @@
           <a:p>
             <a:fld id="{8E218B59-2BF9-7C4E-809E-EDEE006DE5C3}" type="datetimeFigureOut">
               <a:rPr lang="en-US" smtClean="0"/>
-              <a:t>4/23/14</a:t>
+              <a:t>4/24/14</a:t>
             </a:fld>
             <a:endParaRPr lang="en-US"/>
           </a:p>
@@ -1981,7 +1983,7 @@
           <a:p>
             <a:fld id="{8E218B59-2BF9-7C4E-809E-EDEE006DE5C3}" type="datetimeFigureOut">
               <a:rPr lang="en-US" smtClean="0"/>
-              <a:t>4/23/14</a:t>
+              <a:t>4/24/14</a:t>
             </a:fld>
             <a:endParaRPr lang="en-US"/>
           </a:p>
@@ -2258,7 +2260,7 @@
           <a:p>
             <a:fld id="{8E218B59-2BF9-7C4E-809E-EDEE006DE5C3}" type="datetimeFigureOut">
               <a:rPr lang="en-US" smtClean="0"/>
-              <a:t>4/23/14</a:t>
+              <a:t>4/24/14</a:t>
             </a:fld>
             <a:endParaRPr lang="en-US"/>
           </a:p>
@@ -2511,7 +2513,7 @@
           <a:p>
             <a:fld id="{8E218B59-2BF9-7C4E-809E-EDEE006DE5C3}" type="datetimeFigureOut">
               <a:rPr lang="en-US" smtClean="0"/>
-              <a:t>4/23/14</a:t>
+              <a:t>4/24/14</a:t>
             </a:fld>
             <a:endParaRPr lang="en-US"/>
           </a:p>
@@ -2724,7 +2726,7 @@
           <a:p>
             <a:fld id="{8E218B59-2BF9-7C4E-809E-EDEE006DE5C3}" type="datetimeFigureOut">
               <a:rPr lang="en-US" smtClean="0"/>
-              <a:t>4/23/14</a:t>
+              <a:t>4/24/14</a:t>
             </a:fld>
             <a:endParaRPr lang="en-US"/>
           </a:p>
@@ -3139,7 +3141,13 @@
           <a:p>
             <a:r>
               <a:rPr lang="en-US" dirty="0" smtClean="0"/>
-              <a:t>Diamonds</a:t>
+              <a:t>Study of Diamonds</a:t>
+            </a:r>
+          </a:p>
+          <a:p>
+            <a:r>
+              <a:rPr lang="en-US" dirty="0" smtClean="0"/>
+              <a:t>Ryan Talbot</a:t>
             </a:r>
             <a:endParaRPr lang="en-US" dirty="0"/>
           </a:p>
@@ -3177,6 +3185,29 @@
       </p:grpSpPr>
       <p:sp>
         <p:nvSpPr>
+          <p:cNvPr id="2" name="Title 1"/>
+          <p:cNvSpPr>
+            <a:spLocks noGrp="1"/>
+          </p:cNvSpPr>
+          <p:nvPr>
+            <p:ph type="title"/>
+          </p:nvPr>
+        </p:nvSpPr>
+        <p:spPr/>
+        <p:txBody>
+          <a:bodyPr/>
+          <a:lstStyle/>
+          <a:p>
+            <a:r>
+              <a:rPr lang="en-US" dirty="0" smtClean="0"/>
+              <a:t>Data Collection</a:t>
+            </a:r>
+            <a:endParaRPr lang="en-US" dirty="0"/>
+          </a:p>
+        </p:txBody>
+      </p:sp>
+      <p:sp>
+        <p:nvSpPr>
           <p:cNvPr id="3" name="Content Placeholder 2"/>
           <p:cNvSpPr>
             <a:spLocks noGrp="1"/>
@@ -3185,109 +3216,95 @@
             <p:ph idx="1"/>
           </p:nvPr>
         </p:nvSpPr>
+        <p:spPr/>
+        <p:txBody>
+          <a:bodyPr/>
+          <a:lstStyle/>
+          <a:p>
+            <a:r>
+              <a:rPr lang="en-US" sz="2800" dirty="0" smtClean="0"/>
+              <a:t>Source: </a:t>
+            </a:r>
+            <a:r>
+              <a:rPr lang="en-US" sz="2800" dirty="0" err="1" smtClean="0"/>
+              <a:t>diamonds.csv</a:t>
+            </a:r>
+            <a:endParaRPr lang="en-US" sz="2800" dirty="0" smtClean="0"/>
+          </a:p>
+          <a:p>
+            <a:pPr lvl="1"/>
+            <a:r>
+              <a:rPr lang="en-US" sz="2400" dirty="0" smtClean="0"/>
+              <a:t>A collection of about 50k diamonds with various characteristics about each diamond</a:t>
+            </a:r>
+          </a:p>
+          <a:p>
+            <a:r>
+              <a:rPr lang="en-US" sz="2800" dirty="0" smtClean="0"/>
+              <a:t>Website</a:t>
+            </a:r>
+            <a:r>
+              <a:rPr lang="en-US" sz="2800" dirty="0"/>
+              <a:t>: http://</a:t>
+            </a:r>
+            <a:r>
+              <a:rPr lang="en-US" sz="2800" dirty="0" err="1"/>
+              <a:t>vincentarelbundock.github.io</a:t>
+            </a:r>
+            <a:r>
+              <a:rPr lang="en-US" sz="2800" dirty="0"/>
+              <a:t>/</a:t>
+            </a:r>
+            <a:r>
+              <a:rPr lang="en-US" sz="2800" dirty="0" err="1"/>
+              <a:t>Rdatasets</a:t>
+            </a:r>
+            <a:r>
+              <a:rPr lang="en-US" sz="2800" dirty="0"/>
+              <a:t>/</a:t>
+            </a:r>
+            <a:r>
+              <a:rPr lang="en-US" sz="2800" dirty="0" err="1" smtClean="0"/>
+              <a:t>datasets.html</a:t>
+            </a:r>
+            <a:endParaRPr lang="en-US" sz="2800" dirty="0" smtClean="0"/>
+          </a:p>
+        </p:txBody>
+      </p:sp>
+      <p:pic>
+        <p:nvPicPr>
+          <p:cNvPr id="4" name="Picture 3" descr="Screen Shot 2014-04-24 at 2.47.03 PM.png"/>
+          <p:cNvPicPr>
+            <a:picLocks noChangeAspect="1"/>
+          </p:cNvPicPr>
+          <p:nvPr/>
+        </p:nvPicPr>
+        <p:blipFill>
+          <a:blip r:embed="rId2">
+            <a:extLst>
+              <a:ext uri="{28A0092B-C50C-407E-A947-70E740481C1C}">
+                <a14:useLocalDpi xmlns:a14="http://schemas.microsoft.com/office/drawing/2010/main" val="0"/>
+              </a:ext>
+            </a:extLst>
+          </a:blip>
+          <a:stretch>
+            <a:fillRect/>
+          </a:stretch>
+        </p:blipFill>
         <p:spPr>
           <a:xfrm>
-            <a:off x="457200" y="342588"/>
-            <a:ext cx="8229600" cy="5783576"/>
+            <a:off x="1059586" y="4150812"/>
+            <a:ext cx="6946900" cy="2336800"/>
           </a:xfrm>
+          <a:prstGeom prst="rect">
+            <a:avLst/>
+          </a:prstGeom>
         </p:spPr>
-        <p:txBody>
-          <a:bodyPr>
-            <a:normAutofit/>
-          </a:bodyPr>
-          <a:lstStyle/>
-          <a:p>
-            <a:r>
-              <a:rPr lang="en-US" sz="2400" dirty="0" smtClean="0"/>
-              <a:t>Collect data on the quality and cost of diamonds</a:t>
-            </a:r>
-          </a:p>
-          <a:p>
-            <a:pPr lvl="1"/>
-            <a:r>
-              <a:rPr lang="en-US" sz="2000" dirty="0" smtClean="0"/>
-              <a:t>About 50k diamonds</a:t>
-            </a:r>
-          </a:p>
-          <a:p>
-            <a:pPr lvl="1"/>
-            <a:r>
-              <a:rPr lang="en-US" sz="2000" dirty="0" smtClean="0"/>
-              <a:t>Collected data:</a:t>
-            </a:r>
-          </a:p>
-          <a:p>
-            <a:pPr lvl="2"/>
-            <a:r>
-              <a:rPr lang="en-US" sz="1600" dirty="0" smtClean="0"/>
-              <a:t>Carat</a:t>
-            </a:r>
-          </a:p>
-          <a:p>
-            <a:pPr lvl="2"/>
-            <a:r>
-              <a:rPr lang="en-US" sz="1600" dirty="0" smtClean="0"/>
-              <a:t>Cut</a:t>
-            </a:r>
-          </a:p>
-          <a:p>
-            <a:pPr lvl="2"/>
-            <a:r>
-              <a:rPr lang="en-US" sz="1600" dirty="0" smtClean="0"/>
-              <a:t>Clarity</a:t>
-            </a:r>
-          </a:p>
-          <a:p>
-            <a:pPr lvl="2"/>
-            <a:r>
-              <a:rPr lang="en-US" sz="1600" dirty="0" smtClean="0"/>
-              <a:t>Color</a:t>
-            </a:r>
-          </a:p>
-          <a:p>
-            <a:pPr lvl="2"/>
-            <a:r>
-              <a:rPr lang="en-US" sz="1600" dirty="0" smtClean="0"/>
-              <a:t>Cost</a:t>
-            </a:r>
-          </a:p>
-          <a:p>
-            <a:pPr lvl="2"/>
-            <a:r>
-              <a:rPr lang="en-US" sz="1600" dirty="0" smtClean="0"/>
-              <a:t>Size Measurements</a:t>
-            </a:r>
-          </a:p>
-          <a:p>
-            <a:endParaRPr lang="en-US" sz="2400" dirty="0" smtClean="0"/>
-          </a:p>
-          <a:p>
-            <a:r>
-              <a:rPr lang="en-US" sz="2400" dirty="0" smtClean="0"/>
-              <a:t>Clean the Data</a:t>
-            </a:r>
-          </a:p>
-          <a:p>
-            <a:pPr lvl="1"/>
-            <a:r>
-              <a:rPr lang="en-US" sz="2000" dirty="0" smtClean="0"/>
-              <a:t>This primarily focused on converting the various qualities into a numeric value</a:t>
-            </a:r>
-          </a:p>
-          <a:p>
-            <a:pPr lvl="1"/>
-            <a:r>
-              <a:rPr lang="en-US" sz="2000" dirty="0" smtClean="0"/>
-              <a:t>An overall score was also calculated</a:t>
-            </a:r>
-            <a:endParaRPr lang="en-US" sz="2000" dirty="0"/>
-          </a:p>
-        </p:txBody>
-      </p:sp>
+      </p:pic>
     </p:spTree>
     <p:extLst>
       <p:ext uri="{BB962C8B-B14F-4D97-AF65-F5344CB8AC3E}">
-        <p14:creationId xmlns:p14="http://schemas.microsoft.com/office/powerpoint/2010/main" val="1601897957"/>
+        <p14:creationId xmlns:p14="http://schemas.microsoft.com/office/powerpoint/2010/main" val="3908348501"/>
       </p:ext>
     </p:extLst>
   </p:cSld>
@@ -3331,7 +3348,135 @@
           <a:p>
             <a:r>
               <a:rPr lang="en-US" dirty="0" smtClean="0"/>
-              <a:t>Histograms</a:t>
+              <a:t>Cleaning the Data</a:t>
+            </a:r>
+            <a:endParaRPr lang="en-US" dirty="0"/>
+          </a:p>
+        </p:txBody>
+      </p:sp>
+      <p:sp>
+        <p:nvSpPr>
+          <p:cNvPr id="3" name="Content Placeholder 2"/>
+          <p:cNvSpPr>
+            <a:spLocks noGrp="1"/>
+          </p:cNvSpPr>
+          <p:nvPr>
+            <p:ph idx="1"/>
+          </p:nvPr>
+        </p:nvSpPr>
+        <p:spPr/>
+        <p:txBody>
+          <a:bodyPr>
+            <a:normAutofit/>
+          </a:bodyPr>
+          <a:lstStyle/>
+          <a:p>
+            <a:r>
+              <a:rPr lang="en-US" sz="2800" dirty="0" smtClean="0"/>
+              <a:t>Create a score for non-numeric features </a:t>
+            </a:r>
+          </a:p>
+          <a:p>
+            <a:pPr lvl="1"/>
+            <a:r>
+              <a:rPr lang="en-US" sz="2400" dirty="0" smtClean="0"/>
+              <a:t>The cut, color and clarity were categorized using a score of 1 – 5, 7 or 8, respectively</a:t>
+            </a:r>
+          </a:p>
+          <a:p>
+            <a:r>
+              <a:rPr lang="en-US" sz="2800" dirty="0" smtClean="0"/>
+              <a:t>Creating an overall quality score</a:t>
+            </a:r>
+          </a:p>
+          <a:p>
+            <a:pPr lvl="1"/>
+            <a:r>
+              <a:rPr lang="en-US" sz="2400" dirty="0" smtClean="0"/>
+              <a:t>The carat was multiplied by the cut score, clarity score and color score</a:t>
+            </a:r>
+            <a:endParaRPr lang="en-US" sz="2400" dirty="0"/>
+          </a:p>
+        </p:txBody>
+      </p:sp>
+      <p:pic>
+        <p:nvPicPr>
+          <p:cNvPr id="5" name="Picture 4" descr="Screen Shot 2014-04-24 at 4.37.06 PM.png"/>
+          <p:cNvPicPr>
+            <a:picLocks noChangeAspect="1"/>
+          </p:cNvPicPr>
+          <p:nvPr/>
+        </p:nvPicPr>
+        <p:blipFill>
+          <a:blip r:embed="rId2">
+            <a:extLst>
+              <a:ext uri="{28A0092B-C50C-407E-A947-70E740481C1C}">
+                <a14:useLocalDpi xmlns:a14="http://schemas.microsoft.com/office/drawing/2010/main" val="0"/>
+              </a:ext>
+            </a:extLst>
+          </a:blip>
+          <a:stretch>
+            <a:fillRect/>
+          </a:stretch>
+        </p:blipFill>
+        <p:spPr>
+          <a:xfrm>
+            <a:off x="112889" y="4594234"/>
+            <a:ext cx="8927630" cy="1874624"/>
+          </a:xfrm>
+          <a:prstGeom prst="rect">
+            <a:avLst/>
+          </a:prstGeom>
+        </p:spPr>
+      </p:pic>
+    </p:spTree>
+    <p:extLst>
+      <p:ext uri="{BB962C8B-B14F-4D97-AF65-F5344CB8AC3E}">
+        <p14:creationId xmlns:p14="http://schemas.microsoft.com/office/powerpoint/2010/main" val="3490057142"/>
+      </p:ext>
+    </p:extLst>
+  </p:cSld>
+  <p:clrMapOvr>
+    <a:masterClrMapping/>
+  </p:clrMapOvr>
+</p:sld>
+</file>
+
+<file path=ppt/slides/slide4.xml><?xml version="1.0" encoding="utf-8"?>
+<p:sld xmlns:a="http://schemas.openxmlformats.org/drawingml/2006/main" xmlns:r="http://schemas.openxmlformats.org/officeDocument/2006/relationships" xmlns:p="http://schemas.openxmlformats.org/presentationml/2006/main">
+  <p:cSld>
+    <p:spTree>
+      <p:nvGrpSpPr>
+        <p:cNvPr id="1" name=""/>
+        <p:cNvGrpSpPr/>
+        <p:nvPr/>
+      </p:nvGrpSpPr>
+      <p:grpSpPr>
+        <a:xfrm>
+          <a:off x="0" y="0"/>
+          <a:ext cx="0" cy="0"/>
+          <a:chOff x="0" y="0"/>
+          <a:chExt cx="0" cy="0"/>
+        </a:xfrm>
+      </p:grpSpPr>
+      <p:sp>
+        <p:nvSpPr>
+          <p:cNvPr id="2" name="Title 1"/>
+          <p:cNvSpPr>
+            <a:spLocks noGrp="1"/>
+          </p:cNvSpPr>
+          <p:nvPr>
+            <p:ph type="title"/>
+          </p:nvPr>
+        </p:nvSpPr>
+        <p:spPr/>
+        <p:txBody>
+          <a:bodyPr/>
+          <a:lstStyle/>
+          <a:p>
+            <a:r>
+              <a:rPr lang="en-US" dirty="0" smtClean="0"/>
+              <a:t>Visualize the Data - Histograms</a:t>
             </a:r>
             <a:endParaRPr lang="en-US" dirty="0"/>
           </a:p>
@@ -3420,7 +3565,7 @@
 </p:sld>
 </file>
 
-<file path=ppt/slides/slide4.xml><?xml version="1.0" encoding="utf-8"?>
+<file path=ppt/slides/slide5.xml><?xml version="1.0" encoding="utf-8"?>
 <p:sld xmlns:a="http://schemas.openxmlformats.org/drawingml/2006/main" xmlns:r="http://schemas.openxmlformats.org/officeDocument/2006/relationships" xmlns:p="http://schemas.openxmlformats.org/presentationml/2006/main">
   <p:cSld>
     <p:spTree>
@@ -3452,30 +3597,36 @@
           <a:bodyPr/>
           <a:lstStyle/>
           <a:p>
-            <a:endParaRPr lang="en-US"/>
+            <a:r>
+              <a:rPr lang="en-US" dirty="0" smtClean="0"/>
+              <a:t>Comparison</a:t>
+            </a:r>
+            <a:endParaRPr lang="en-US" dirty="0"/>
           </a:p>
         </p:txBody>
       </p:sp>
       <p:pic>
         <p:nvPicPr>
-          <p:cNvPr id="6" name="Content Placeholder 5"/>
+          <p:cNvPr id="3" name="Picture 2"/>
           <p:cNvPicPr>
-            <a:picLocks noGrp="1" noChangeAspect="1"/>
+            <a:picLocks noChangeAspect="1"/>
           </p:cNvPicPr>
-          <p:nvPr>
-            <p:ph idx="1"/>
-          </p:nvPr>
+          <p:nvPr/>
         </p:nvPicPr>
-        <p:blipFill rotWithShape="1">
+        <p:blipFill>
           <a:blip r:embed="rId2"/>
-          <a:srcRect l="-2" r="-859"/>
-          <a:stretch/>
+          <a:stretch>
+            <a:fillRect/>
+          </a:stretch>
         </p:blipFill>
         <p:spPr>
           <a:xfrm>
-            <a:off x="185406" y="1859781"/>
-            <a:ext cx="8780881" cy="2187021"/>
+            <a:off x="425044" y="1561913"/>
+            <a:ext cx="8312727" cy="2366333"/>
           </a:xfrm>
+          <a:prstGeom prst="rect">
+            <a:avLst/>
+          </a:prstGeom>
         </p:spPr>
       </p:pic>
     </p:spTree>
@@ -3491,7 +3642,7 @@
 </p:sld>
 </file>
 
-<file path=ppt/slides/slide5.xml><?xml version="1.0" encoding="utf-8"?>
+<file path=ppt/slides/slide6.xml><?xml version="1.0" encoding="utf-8"?>
 <p:sld xmlns:a="http://schemas.openxmlformats.org/drawingml/2006/main" xmlns:r="http://schemas.openxmlformats.org/officeDocument/2006/relationships" xmlns:p="http://schemas.openxmlformats.org/presentationml/2006/main">
   <p:cSld>
     <p:spTree>
@@ -3607,6 +3758,90 @@
     <p:extLst>
       <p:ext uri="{BB962C8B-B14F-4D97-AF65-F5344CB8AC3E}">
         <p14:creationId xmlns:p14="http://schemas.microsoft.com/office/powerpoint/2010/main" val="2850022630"/>
+      </p:ext>
+    </p:extLst>
+  </p:cSld>
+  <p:clrMapOvr>
+    <a:masterClrMapping/>
+  </p:clrMapOvr>
+</p:sld>
+</file>
+
+<file path=ppt/slides/slide7.xml><?xml version="1.0" encoding="utf-8"?>
+<p:sld xmlns:a="http://schemas.openxmlformats.org/drawingml/2006/main" xmlns:r="http://schemas.openxmlformats.org/officeDocument/2006/relationships" xmlns:p="http://schemas.openxmlformats.org/presentationml/2006/main">
+  <p:cSld>
+    <p:spTree>
+      <p:nvGrpSpPr>
+        <p:cNvPr id="1" name=""/>
+        <p:cNvGrpSpPr/>
+        <p:nvPr/>
+      </p:nvGrpSpPr>
+      <p:grpSpPr>
+        <a:xfrm>
+          <a:off x="0" y="0"/>
+          <a:ext cx="0" cy="0"/>
+          <a:chOff x="0" y="0"/>
+          <a:chExt cx="0" cy="0"/>
+        </a:xfrm>
+      </p:grpSpPr>
+      <p:sp>
+        <p:nvSpPr>
+          <p:cNvPr id="2" name="Title 1"/>
+          <p:cNvSpPr>
+            <a:spLocks noGrp="1"/>
+          </p:cNvSpPr>
+          <p:nvPr>
+            <p:ph type="title"/>
+          </p:nvPr>
+        </p:nvSpPr>
+        <p:spPr/>
+        <p:txBody>
+          <a:bodyPr/>
+          <a:lstStyle/>
+          <a:p>
+            <a:r>
+              <a:rPr lang="en-US" dirty="0" smtClean="0"/>
+              <a:t>Observations</a:t>
+            </a:r>
+            <a:endParaRPr lang="en-US" dirty="0"/>
+          </a:p>
+        </p:txBody>
+      </p:sp>
+      <p:sp>
+        <p:nvSpPr>
+          <p:cNvPr id="3" name="Content Placeholder 2"/>
+          <p:cNvSpPr>
+            <a:spLocks noGrp="1"/>
+          </p:cNvSpPr>
+          <p:nvPr>
+            <p:ph idx="1"/>
+          </p:nvPr>
+        </p:nvSpPr>
+        <p:spPr/>
+        <p:txBody>
+          <a:bodyPr>
+            <a:normAutofit/>
+          </a:bodyPr>
+          <a:lstStyle/>
+          <a:p>
+            <a:r>
+              <a:rPr lang="en-US" sz="2800" dirty="0" smtClean="0"/>
+              <a:t>Clarity seems to be the least common quality</a:t>
+            </a:r>
+          </a:p>
+          <a:p>
+            <a:r>
+              <a:rPr lang="en-US" sz="2800" dirty="0" smtClean="0"/>
+              <a:t>High carat diamonds typically are not great quality</a:t>
+            </a:r>
+            <a:endParaRPr lang="en-US" sz="2800" dirty="0"/>
+          </a:p>
+        </p:txBody>
+      </p:sp>
+    </p:spTree>
+    <p:extLst>
+      <p:ext uri="{BB962C8B-B14F-4D97-AF65-F5344CB8AC3E}">
+        <p14:creationId xmlns:p14="http://schemas.microsoft.com/office/powerpoint/2010/main" val="615996846"/>
       </p:ext>
     </p:extLst>
   </p:cSld>
